--- a/WEB API.pptx
+++ b/WEB API.pptx
@@ -764,8 +764,8 @@
         </p:nvSpPr>
         <p:spPr>
           <a:xfrm>
-            <a:off x="381300" y="685800"/>
-            <a:ext cx="6096075" cy="3429000"/>
+            <a:off x="381000" y="685800"/>
+            <a:ext cx="6096000" cy="3429000"/>
           </a:xfrm>
           <a:custGeom>
             <a:avLst/>
@@ -1180,7 +1180,7 @@
         </p:nvSpPr>
         <p:spPr>
           <a:xfrm>
-            <a:off x="381300" y="685800"/>
+            <a:off x="381000" y="685800"/>
             <a:ext cx="6096000" cy="3429000"/>
           </a:xfrm>
           <a:custGeom>
@@ -1700,7 +1700,7 @@
         </p:nvSpPr>
         <p:spPr>
           <a:xfrm>
-            <a:off x="381300" y="685800"/>
+            <a:off x="381000" y="685800"/>
             <a:ext cx="6096000" cy="3429000"/>
           </a:xfrm>
           <a:custGeom>
@@ -8408,10 +8408,6 @@
           </p:nvPr>
         </p:nvSpPr>
         <p:spPr>
-          <a:xfrm>
-            <a:off x="1680300" y="1629600"/>
-            <a:ext cx="5783400" cy="1884300"/>
-          </a:xfrm>
           <a:prstGeom prst="rect">
             <a:avLst/>
           </a:prstGeom>
@@ -8422,32 +8418,44 @@
           </a:bodyPr>
           <a:lstStyle/>
           <a:p>
-            <a:pPr marL="0" lvl="0" indent="0" algn="ctr" rtl="0">
-              <a:spcBef>
-                <a:spcPts val="0"/>
-              </a:spcBef>
-              <a:spcAft>
-                <a:spcPts val="0"/>
-              </a:spcAft>
-              <a:buNone/>
-            </a:pPr>
+            <a:pPr lvl="0"/>
             <a:r>
-              <a:rPr lang="pl"/>
+              <a:rPr lang="pl" dirty="0"/>
               <a:t>Web API</a:t>
             </a:r>
-            <a:endParaRPr/>
-          </a:p>
-          <a:p>
-            <a:pPr marL="0" lvl="0" indent="0" algn="ctr" rtl="0">
-              <a:spcBef>
-                <a:spcPts val="0"/>
-              </a:spcBef>
-              <a:spcAft>
-                <a:spcPts val="0"/>
-              </a:spcAft>
-              <a:buNone/>
-            </a:pPr>
-            <a:endParaRPr/>
+            <a:br>
+              <a:rPr lang="pl" dirty="0"/>
+            </a:br>
+            <a:endParaRPr dirty="0"/>
+          </a:p>
+        </p:txBody>
+      </p:sp>
+      <p:sp>
+        <p:nvSpPr>
+          <p:cNvPr id="2" name="Podtytuł 1">
+            <a:extLst>
+              <a:ext uri="{FF2B5EF4-FFF2-40B4-BE49-F238E27FC236}">
+                <a16:creationId xmlns:a16="http://schemas.microsoft.com/office/drawing/2014/main" id="{E48CBD23-2894-43D9-BEA8-162E7A4A912B}"/>
+              </a:ext>
+            </a:extLst>
+          </p:cNvPr>
+          <p:cNvSpPr>
+            <a:spLocks noGrp="1"/>
+          </p:cNvSpPr>
+          <p:nvPr>
+            <p:ph type="subTitle" idx="1"/>
+          </p:nvPr>
+        </p:nvSpPr>
+        <p:spPr/>
+        <p:txBody>
+          <a:bodyPr/>
+          <a:lstStyle/>
+          <a:p>
+            <a:r>
+              <a:rPr lang="pl" dirty="0"/>
+              <a:t>Stream Search</a:t>
+            </a:r>
+            <a:endParaRPr lang="pl-PL" dirty="0"/>
           </a:p>
         </p:txBody>
       </p:sp>
@@ -9118,7 +9126,7 @@
               <a:buNone/>
             </a:pPr>
             <a:r>
-              <a:rPr lang="pl">
+              <a:rPr lang="pl" dirty="0">
                 <a:solidFill>
                   <a:srgbClr val="FFFFFF"/>
                 </a:solidFill>
@@ -9129,7 +9137,7 @@
               </a:rPr>
               <a:t>GITHUB API</a:t>
             </a:r>
-            <a:endParaRPr>
+            <a:endParaRPr dirty="0">
               <a:solidFill>
                 <a:srgbClr val="FFFFFF"/>
               </a:solidFill>
@@ -9149,7 +9157,16 @@
               </a:spcAft>
               <a:buNone/>
             </a:pPr>
-            <a:endParaRPr>
+            <a:r>
+              <a:rPr lang="pl-PL" dirty="0">
+                <a:latin typeface="Roboto"/>
+                <a:ea typeface="Roboto"/>
+                <a:cs typeface="Roboto"/>
+                <a:sym typeface="Roboto"/>
+              </a:rPr>
+              <a:t> </a:t>
+            </a:r>
+            <a:endParaRPr dirty="0">
               <a:latin typeface="Roboto"/>
               <a:ea typeface="Roboto"/>
               <a:cs typeface="Roboto"/>
@@ -9763,7 +9780,7 @@
               <a:buNone/>
             </a:pPr>
             <a:r>
-              <a:rPr lang="pl" sz="1100">
+              <a:rPr lang="pl" sz="1600" dirty="0">
                 <a:latin typeface="Arial"/>
                 <a:ea typeface="Arial"/>
                 <a:cs typeface="Arial"/>
@@ -9771,7 +9788,7 @@
               </a:rPr>
               <a:t>Get data about air quality from api.gios.gov.pl</a:t>
             </a:r>
-            <a:endParaRPr sz="1100">
+            <a:endParaRPr sz="1600" dirty="0">
               <a:latin typeface="Arial"/>
               <a:ea typeface="Arial"/>
               <a:cs typeface="Arial"/>
@@ -9789,7 +9806,7 @@
               <a:buNone/>
             </a:pPr>
             <a:r>
-              <a:rPr lang="pl" sz="1100" u="sng">
+              <a:rPr lang="pl" sz="1600" u="sng" dirty="0">
                 <a:solidFill>
                   <a:schemeClr val="hlink"/>
                 </a:solidFill>
@@ -9801,7 +9818,7 @@
               </a:rPr>
               <a:t>https://powietrze.gios.gov.pl/pjp/content/api</a:t>
             </a:r>
-            <a:endParaRPr sz="1100">
+            <a:endParaRPr sz="1600" dirty="0">
               <a:latin typeface="Arial"/>
               <a:ea typeface="Arial"/>
               <a:cs typeface="Arial"/>
@@ -10306,7 +10323,7 @@
         </p:blipFill>
         <p:spPr>
           <a:xfrm>
-            <a:off x="-120503" y="0"/>
+            <a:off x="1222813" y="0"/>
             <a:ext cx="6698374" cy="5143500"/>
           </a:xfrm>
           <a:prstGeom prst="rect">
